--- a/slides/sqrt.pptx
+++ b/slides/sqrt.pptx
@@ -6019,7 +6019,27 @@
               <a:p>
                 <a:r>
                   <a:rPr lang="en-US" dirty="0"/>
-                  <a:t>Go to the notebook version of this lecture and do the exercise at the bottom</a:t>
+                  <a:t>Go to the </a:t>
+                </a:r>
+                <a:r>
+                  <a:rPr lang="en-US" dirty="0">
+                    <a:hlinkClick r:id="rId2"/>
+                  </a:rPr>
+                  <a:t>notebook version of </a:t>
+                </a:r>
+                <a:r>
+                  <a:rPr lang="en-US">
+                    <a:hlinkClick r:id="rId2"/>
+                  </a:rPr>
+                  <a:t>this lecture</a:t>
+                </a:r>
+                <a:r>
+                  <a:rPr lang="en-US"/>
+                  <a:t>[1] </a:t>
+                </a:r>
+                <a:r>
+                  <a:rPr lang="en-US" dirty="0"/>
+                  <a:t>and do the exercise at the bottom</a:t>
                 </a:r>
               </a:p>
               <a:p>
@@ -6093,9 +6113,9 @@
                 <a:ext cx="8679426" cy="4351338"/>
               </a:xfrm>
               <a:blipFill>
-                <a:blip r:embed="rId2"/>
+                <a:blip r:embed="rId3"/>
                 <a:stretch>
-                  <a:fillRect l="-1316" t="-2326"/>
+                  <a:fillRect l="-1316" t="-2326" r="-439"/>
                 </a:stretch>
               </a:blipFill>
             </p:spPr>
@@ -6129,7 +6149,7 @@
           <p:nvPr/>
         </p:nvPicPr>
         <p:blipFill>
-          <a:blip r:embed="rId3"/>
+          <a:blip r:embed="rId4"/>
           <a:stretch>
             <a:fillRect/>
           </a:stretch>
@@ -6175,6 +6195,48 @@
               <a:rPr lang="en-US" b="1" dirty="0"/>
               <a:t>sqrt(125348.0)</a:t>
             </a:r>
+          </a:p>
+        </p:txBody>
+      </p:sp>
+      <p:sp>
+        <p:nvSpPr>
+          <p:cNvPr id="8" name="TextBox 7">
+            <a:extLst>
+              <a:ext uri="{FF2B5EF4-FFF2-40B4-BE49-F238E27FC236}">
+                <a16:creationId xmlns:a16="http://schemas.microsoft.com/office/drawing/2014/main" id="{69762843-3FF6-DD45-904D-61CAC41508F0}"/>
+              </a:ext>
+            </a:extLst>
+          </p:cNvPr>
+          <p:cNvSpPr txBox="1"/>
+          <p:nvPr/>
+        </p:nvSpPr>
+        <p:spPr>
+          <a:xfrm>
+            <a:off x="0" y="6488668"/>
+            <a:ext cx="6686446" cy="369332"/>
+          </a:xfrm>
+          <a:prstGeom prst="rect">
+            <a:avLst/>
+          </a:prstGeom>
+          <a:noFill/>
+        </p:spPr>
+        <p:txBody>
+          <a:bodyPr wrap="none" rtlCol="0">
+            <a:spAutoFit/>
+          </a:bodyPr>
+          <a:lstStyle/>
+          <a:p>
+            <a:r>
+              <a:rPr lang="en-US" dirty="0"/>
+              <a:t>[1] </a:t>
+            </a:r>
+            <a:r>
+              <a:rPr lang="en-US" dirty="0">
+                <a:hlinkClick r:id="rId2"/>
+              </a:rPr>
+              <a:t>https://github.com/parrt/msds501/blob/master/labs/sqrt.ipynb</a:t>
+            </a:r>
+            <a:endParaRPr lang="en-US" dirty="0"/>
           </a:p>
         </p:txBody>
       </p:sp>

--- a/slides/sqrt.pptx
+++ b/slides/sqrt.pptx
@@ -5931,6 +5931,41 @@
           </a:prstGeom>
         </p:spPr>
       </p:pic>
+      <p:sp>
+        <p:nvSpPr>
+          <p:cNvPr id="6" name="TextBox 5">
+            <a:extLst>
+              <a:ext uri="{FF2B5EF4-FFF2-40B4-BE49-F238E27FC236}">
+                <a16:creationId xmlns:a16="http://schemas.microsoft.com/office/drawing/2014/main" id="{97B12969-BBA0-944B-BEE4-002A06491369}"/>
+              </a:ext>
+            </a:extLst>
+          </p:cNvPr>
+          <p:cNvSpPr txBox="1"/>
+          <p:nvPr/>
+        </p:nvSpPr>
+        <p:spPr>
+          <a:xfrm>
+            <a:off x="0" y="6445250"/>
+            <a:ext cx="5533887" cy="338554"/>
+          </a:xfrm>
+          <a:prstGeom prst="rect">
+            <a:avLst/>
+          </a:prstGeom>
+          <a:noFill/>
+        </p:spPr>
+        <p:txBody>
+          <a:bodyPr wrap="none" rtlCol="0">
+            <a:spAutoFit/>
+          </a:bodyPr>
+          <a:lstStyle/>
+          <a:p>
+            <a:r>
+              <a:rPr lang="en-US" sz="1600" dirty="0"/>
+              <a:t>The associated lab has an expanded version of these tests</a:t>
+            </a:r>
+          </a:p>
+        </p:txBody>
+      </p:sp>
     </p:spTree>
     <p:extLst>
       <p:ext uri="{BB962C8B-B14F-4D97-AF65-F5344CB8AC3E}">
@@ -6025,21 +6060,11 @@
                   <a:rPr lang="en-US" dirty="0">
                     <a:hlinkClick r:id="rId2"/>
                   </a:rPr>
-                  <a:t>notebook version of </a:t>
-                </a:r>
-                <a:r>
-                  <a:rPr lang="en-US">
-                    <a:hlinkClick r:id="rId2"/>
-                  </a:rPr>
-                  <a:t>this lecture</a:t>
-                </a:r>
-                <a:r>
-                  <a:rPr lang="en-US"/>
-                  <a:t>[1] </a:t>
+                  <a:t>notebook version of this lecture</a:t>
                 </a:r>
                 <a:r>
                   <a:rPr lang="en-US" dirty="0"/>
-                  <a:t>and do the exercise at the bottom</a:t>
+                  <a:t>[1] and do the exercise at the bottom</a:t>
                 </a:r>
               </a:p>
               <a:p>

--- a/slides/sqrt.pptx
+++ b/slides/sqrt.pptx
@@ -214,7 +214,7 @@
           <a:p>
             <a:fld id="{8A1B613A-EFF1-404F-BEE8-EFAE84A4E5E2}" type="datetimeFigureOut">
               <a:rPr lang="en-US" smtClean="0"/>
-              <a:t>6/20/21</a:t>
+              <a:t>6/22/21</a:t>
             </a:fld>
             <a:endParaRPr lang="en-US"/>
           </a:p>
@@ -379,7 +379,7 @@
           <a:p>
             <a:fld id="{690847EA-AC25-3D4E-89E1-FD3F6A9702B6}" type="datetimeFigureOut">
               <a:rPr lang="en-US" smtClean="0"/>
-              <a:t>6/20/21</a:t>
+              <a:t>6/22/21</a:t>
             </a:fld>
             <a:endParaRPr lang="en-US"/>
           </a:p>
@@ -793,7 +793,7 @@
           <a:p>
             <a:fld id="{BE5295ED-3BAF-1140-8495-3D368771D6B1}" type="datetimeFigureOut">
               <a:rPr lang="en-US" smtClean="0"/>
-              <a:t>6/20/21</a:t>
+              <a:t>6/22/21</a:t>
             </a:fld>
             <a:endParaRPr lang="en-US"/>
           </a:p>
@@ -991,7 +991,7 @@
           <a:p>
             <a:fld id="{BE5295ED-3BAF-1140-8495-3D368771D6B1}" type="datetimeFigureOut">
               <a:rPr lang="en-US" smtClean="0"/>
-              <a:t>6/20/21</a:t>
+              <a:t>6/22/21</a:t>
             </a:fld>
             <a:endParaRPr lang="en-US"/>
           </a:p>
@@ -1199,7 +1199,7 @@
           <a:p>
             <a:fld id="{BE5295ED-3BAF-1140-8495-3D368771D6B1}" type="datetimeFigureOut">
               <a:rPr lang="en-US" smtClean="0"/>
-              <a:t>6/20/21</a:t>
+              <a:t>6/22/21</a:t>
             </a:fld>
             <a:endParaRPr lang="en-US"/>
           </a:p>
@@ -1397,7 +1397,7 @@
           <a:p>
             <a:fld id="{BE5295ED-3BAF-1140-8495-3D368771D6B1}" type="datetimeFigureOut">
               <a:rPr lang="en-US" smtClean="0"/>
-              <a:t>6/20/21</a:t>
+              <a:t>6/22/21</a:t>
             </a:fld>
             <a:endParaRPr lang="en-US"/>
           </a:p>
@@ -1672,7 +1672,7 @@
           <a:p>
             <a:fld id="{BE5295ED-3BAF-1140-8495-3D368771D6B1}" type="datetimeFigureOut">
               <a:rPr lang="en-US" smtClean="0"/>
-              <a:t>6/20/21</a:t>
+              <a:t>6/22/21</a:t>
             </a:fld>
             <a:endParaRPr lang="en-US"/>
           </a:p>
@@ -1937,7 +1937,7 @@
           <a:p>
             <a:fld id="{BE5295ED-3BAF-1140-8495-3D368771D6B1}" type="datetimeFigureOut">
               <a:rPr lang="en-US" smtClean="0"/>
-              <a:t>6/20/21</a:t>
+              <a:t>6/22/21</a:t>
             </a:fld>
             <a:endParaRPr lang="en-US"/>
           </a:p>
@@ -2349,7 +2349,7 @@
           <a:p>
             <a:fld id="{BE5295ED-3BAF-1140-8495-3D368771D6B1}" type="datetimeFigureOut">
               <a:rPr lang="en-US" smtClean="0"/>
-              <a:t>6/20/21</a:t>
+              <a:t>6/22/21</a:t>
             </a:fld>
             <a:endParaRPr lang="en-US"/>
           </a:p>
@@ -2490,7 +2490,7 @@
           <a:p>
             <a:fld id="{BE5295ED-3BAF-1140-8495-3D368771D6B1}" type="datetimeFigureOut">
               <a:rPr lang="en-US" smtClean="0"/>
-              <a:t>6/20/21</a:t>
+              <a:t>6/22/21</a:t>
             </a:fld>
             <a:endParaRPr lang="en-US"/>
           </a:p>
@@ -2603,7 +2603,7 @@
           <a:p>
             <a:fld id="{BE5295ED-3BAF-1140-8495-3D368771D6B1}" type="datetimeFigureOut">
               <a:rPr lang="en-US" smtClean="0"/>
-              <a:t>6/20/21</a:t>
+              <a:t>6/22/21</a:t>
             </a:fld>
             <a:endParaRPr lang="en-US"/>
           </a:p>
@@ -2914,7 +2914,7 @@
           <a:p>
             <a:fld id="{BE5295ED-3BAF-1140-8495-3D368771D6B1}" type="datetimeFigureOut">
               <a:rPr lang="en-US" smtClean="0"/>
-              <a:t>6/20/21</a:t>
+              <a:t>6/22/21</a:t>
             </a:fld>
             <a:endParaRPr lang="en-US"/>
           </a:p>
@@ -3205,7 +3205,7 @@
           <a:p>
             <a:fld id="{BE5295ED-3BAF-1140-8495-3D368771D6B1}" type="datetimeFigureOut">
               <a:rPr lang="en-US" smtClean="0"/>
-              <a:t>6/20/21</a:t>
+              <a:t>6/22/21</a:t>
             </a:fld>
             <a:endParaRPr lang="en-US"/>
           </a:p>
@@ -3446,7 +3446,7 @@
           <a:p>
             <a:fld id="{BE5295ED-3BAF-1140-8495-3D368771D6B1}" type="datetimeFigureOut">
               <a:rPr lang="en-US" smtClean="0"/>
-              <a:t>6/20/21</a:t>
+              <a:t>6/22/21</a:t>
             </a:fld>
             <a:endParaRPr lang="en-US"/>
           </a:p>
@@ -3909,17 +3909,29 @@
             <p:ph type="ctrTitle"/>
           </p:nvPr>
         </p:nvSpPr>
-        <p:spPr/>
+        <p:spPr>
+          <a:xfrm>
+            <a:off x="1524000" y="1122363"/>
+            <a:ext cx="9697278" cy="2387600"/>
+          </a:xfrm>
+        </p:spPr>
         <p:txBody>
           <a:bodyPr>
-            <a:normAutofit/>
+            <a:normAutofit fontScale="90000"/>
           </a:bodyPr>
           <a:lstStyle/>
           <a:p>
             <a:pPr algn="l"/>
             <a:r>
               <a:rPr lang="en-US" b="1" dirty="0"/>
-              <a:t>Approximating square root iteratively</a:t>
+              <a:t>Iterative computing pattern:</a:t>
+            </a:r>
+            <a:br>
+              <a:rPr lang="en-US" b="1" dirty="0"/>
+            </a:br>
+            <a:r>
+              <a:rPr lang="en-US" b="1" dirty="0"/>
+              <a:t>approximating square root</a:t>
             </a:r>
             <a:endParaRPr lang="en-US" dirty="0"/>
           </a:p>
@@ -4186,8 +4198,8 @@
           </a:p>
         </p:txBody>
       </p:sp>
-      <mc:AlternateContent xmlns:mc="http://schemas.openxmlformats.org/markup-compatibility/2006">
-        <mc:Choice xmlns:a14="http://schemas.microsoft.com/office/drawing/2010/main" Requires="a14">
+      <mc:AlternateContent xmlns:mc="http://schemas.openxmlformats.org/markup-compatibility/2006" xmlns:a14="http://schemas.microsoft.com/office/drawing/2010/main">
+        <mc:Choice Requires="a14">
           <p:sp>
             <p:nvSpPr>
               <p:cNvPr id="3" name="Content Placeholder 2">
@@ -4560,7 +4572,7 @@
             </p:txBody>
           </p:sp>
         </mc:Choice>
-        <mc:Fallback>
+        <mc:Fallback xmlns="">
           <p:sp>
             <p:nvSpPr>
               <p:cNvPr id="3" name="Content Placeholder 2">
@@ -4658,8 +4670,8 @@
           </a:p>
         </p:txBody>
       </p:sp>
-      <mc:AlternateContent xmlns:mc="http://schemas.openxmlformats.org/markup-compatibility/2006">
-        <mc:Choice xmlns:a14="http://schemas.microsoft.com/office/drawing/2010/main" Requires="a14">
+      <mc:AlternateContent xmlns:mc="http://schemas.openxmlformats.org/markup-compatibility/2006" xmlns:a14="http://schemas.microsoft.com/office/drawing/2010/main">
+        <mc:Choice Requires="a14">
           <p:sp>
             <p:nvSpPr>
               <p:cNvPr id="3" name="Content Placeholder 2">
@@ -4788,7 +4800,7 @@
             </p:txBody>
           </p:sp>
         </mc:Choice>
-        <mc:Fallback>
+        <mc:Fallback xmlns="">
           <p:sp>
             <p:nvSpPr>
               <p:cNvPr id="3" name="Content Placeholder 2">
@@ -4932,8 +4944,8 @@
           </a:p>
         </p:txBody>
       </p:sp>
-      <mc:AlternateContent xmlns:mc="http://schemas.openxmlformats.org/markup-compatibility/2006">
-        <mc:Choice xmlns:a14="http://schemas.microsoft.com/office/drawing/2010/main" Requires="a14">
+      <mc:AlternateContent xmlns:mc="http://schemas.openxmlformats.org/markup-compatibility/2006" xmlns:a14="http://schemas.microsoft.com/office/drawing/2010/main">
+        <mc:Choice Requires="a14">
           <p:sp>
             <p:nvSpPr>
               <p:cNvPr id="3" name="Content Placeholder 2">
@@ -5049,7 +5061,7 @@
             </p:txBody>
           </p:sp>
         </mc:Choice>
-        <mc:Fallback>
+        <mc:Fallback xmlns="">
           <p:sp>
             <p:nvSpPr>
               <p:cNvPr id="3" name="Content Placeholder 2">
@@ -5093,8 +5105,8 @@
           </p:sp>
         </mc:Fallback>
       </mc:AlternateContent>
-      <mc:AlternateContent xmlns:mc="http://schemas.openxmlformats.org/markup-compatibility/2006">
-        <mc:Choice xmlns:a14="http://schemas.microsoft.com/office/drawing/2010/main" Requires="a14">
+      <mc:AlternateContent xmlns:mc="http://schemas.openxmlformats.org/markup-compatibility/2006" xmlns:a14="http://schemas.microsoft.com/office/drawing/2010/main">
+        <mc:Choice Requires="a14">
           <p:sp>
             <p:nvSpPr>
               <p:cNvPr id="4" name="Rectangle 3">
@@ -5122,6 +5134,7 @@
               </a:bodyPr>
               <a:lstStyle/>
               <a:p>
+                <a:pPr/>
                 <a14:m>
                   <m:oMathPara xmlns:m="http://schemas.openxmlformats.org/officeDocument/2006/math">
                     <m:oMathParaPr>
@@ -5285,7 +5298,7 @@
             </p:txBody>
           </p:sp>
         </mc:Choice>
-        <mc:Fallback>
+        <mc:Fallback xmlns="">
           <p:sp>
             <p:nvSpPr>
               <p:cNvPr id="4" name="Rectangle 3">
@@ -5583,8 +5596,8 @@
           </a:p>
         </p:txBody>
       </p:sp>
-      <mc:AlternateContent xmlns:mc="http://schemas.openxmlformats.org/markup-compatibility/2006">
-        <mc:Choice xmlns:a14="http://schemas.microsoft.com/office/drawing/2010/main" Requires="a14">
+      <mc:AlternateContent xmlns:mc="http://schemas.openxmlformats.org/markup-compatibility/2006" xmlns:a14="http://schemas.microsoft.com/office/drawing/2010/main">
+        <mc:Choice Requires="a14">
           <p:sp>
             <p:nvSpPr>
               <p:cNvPr id="7" name="Content Placeholder 6">
@@ -5652,7 +5665,7 @@
             </p:txBody>
           </p:sp>
         </mc:Choice>
-        <mc:Fallback>
+        <mc:Fallback xmlns="">
           <p:sp>
             <p:nvSpPr>
               <p:cNvPr id="7" name="Content Placeholder 6">
@@ -6024,8 +6037,8 @@
           </a:p>
         </p:txBody>
       </p:sp>
-      <mc:AlternateContent xmlns:mc="http://schemas.openxmlformats.org/markup-compatibility/2006">
-        <mc:Choice xmlns:a14="http://schemas.microsoft.com/office/drawing/2010/main" Requires="a14">
+      <mc:AlternateContent xmlns:mc="http://schemas.openxmlformats.org/markup-compatibility/2006" xmlns:a14="http://schemas.microsoft.com/office/drawing/2010/main">
+        <mc:Choice Requires="a14">
           <p:sp>
             <p:nvSpPr>
               <p:cNvPr id="3" name="Content Placeholder 2">
@@ -6115,7 +6128,7 @@
             </p:txBody>
           </p:sp>
         </mc:Choice>
-        <mc:Fallback>
+        <mc:Fallback xmlns="">
           <p:sp>
             <p:nvSpPr>
               <p:cNvPr id="3" name="Content Placeholder 2">

--- a/slides/sqrt.pptx
+++ b/slides/sqrt.pptx
@@ -214,7 +214,7 @@
           <a:p>
             <a:fld id="{8A1B613A-EFF1-404F-BEE8-EFAE84A4E5E2}" type="datetimeFigureOut">
               <a:rPr lang="en-US" smtClean="0"/>
-              <a:t>6/22/21</a:t>
+              <a:t>7/16/21</a:t>
             </a:fld>
             <a:endParaRPr lang="en-US"/>
           </a:p>
@@ -379,7 +379,7 @@
           <a:p>
             <a:fld id="{690847EA-AC25-3D4E-89E1-FD3F6A9702B6}" type="datetimeFigureOut">
               <a:rPr lang="en-US" smtClean="0"/>
-              <a:t>6/22/21</a:t>
+              <a:t>7/16/21</a:t>
             </a:fld>
             <a:endParaRPr lang="en-US"/>
           </a:p>
@@ -793,7 +793,7 @@
           <a:p>
             <a:fld id="{BE5295ED-3BAF-1140-8495-3D368771D6B1}" type="datetimeFigureOut">
               <a:rPr lang="en-US" smtClean="0"/>
-              <a:t>6/22/21</a:t>
+              <a:t>7/16/21</a:t>
             </a:fld>
             <a:endParaRPr lang="en-US"/>
           </a:p>
@@ -991,7 +991,7 @@
           <a:p>
             <a:fld id="{BE5295ED-3BAF-1140-8495-3D368771D6B1}" type="datetimeFigureOut">
               <a:rPr lang="en-US" smtClean="0"/>
-              <a:t>6/22/21</a:t>
+              <a:t>7/16/21</a:t>
             </a:fld>
             <a:endParaRPr lang="en-US"/>
           </a:p>
@@ -1199,7 +1199,7 @@
           <a:p>
             <a:fld id="{BE5295ED-3BAF-1140-8495-3D368771D6B1}" type="datetimeFigureOut">
               <a:rPr lang="en-US" smtClean="0"/>
-              <a:t>6/22/21</a:t>
+              <a:t>7/16/21</a:t>
             </a:fld>
             <a:endParaRPr lang="en-US"/>
           </a:p>
@@ -1397,7 +1397,7 @@
           <a:p>
             <a:fld id="{BE5295ED-3BAF-1140-8495-3D368771D6B1}" type="datetimeFigureOut">
               <a:rPr lang="en-US" smtClean="0"/>
-              <a:t>6/22/21</a:t>
+              <a:t>7/16/21</a:t>
             </a:fld>
             <a:endParaRPr lang="en-US"/>
           </a:p>
@@ -1672,7 +1672,7 @@
           <a:p>
             <a:fld id="{BE5295ED-3BAF-1140-8495-3D368771D6B1}" type="datetimeFigureOut">
               <a:rPr lang="en-US" smtClean="0"/>
-              <a:t>6/22/21</a:t>
+              <a:t>7/16/21</a:t>
             </a:fld>
             <a:endParaRPr lang="en-US"/>
           </a:p>
@@ -1937,7 +1937,7 @@
           <a:p>
             <a:fld id="{BE5295ED-3BAF-1140-8495-3D368771D6B1}" type="datetimeFigureOut">
               <a:rPr lang="en-US" smtClean="0"/>
-              <a:t>6/22/21</a:t>
+              <a:t>7/16/21</a:t>
             </a:fld>
             <a:endParaRPr lang="en-US"/>
           </a:p>
@@ -2349,7 +2349,7 @@
           <a:p>
             <a:fld id="{BE5295ED-3BAF-1140-8495-3D368771D6B1}" type="datetimeFigureOut">
               <a:rPr lang="en-US" smtClean="0"/>
-              <a:t>6/22/21</a:t>
+              <a:t>7/16/21</a:t>
             </a:fld>
             <a:endParaRPr lang="en-US"/>
           </a:p>
@@ -2490,7 +2490,7 @@
           <a:p>
             <a:fld id="{BE5295ED-3BAF-1140-8495-3D368771D6B1}" type="datetimeFigureOut">
               <a:rPr lang="en-US" smtClean="0"/>
-              <a:t>6/22/21</a:t>
+              <a:t>7/16/21</a:t>
             </a:fld>
             <a:endParaRPr lang="en-US"/>
           </a:p>
@@ -2603,7 +2603,7 @@
           <a:p>
             <a:fld id="{BE5295ED-3BAF-1140-8495-3D368771D6B1}" type="datetimeFigureOut">
               <a:rPr lang="en-US" smtClean="0"/>
-              <a:t>6/22/21</a:t>
+              <a:t>7/16/21</a:t>
             </a:fld>
             <a:endParaRPr lang="en-US"/>
           </a:p>
@@ -2914,7 +2914,7 @@
           <a:p>
             <a:fld id="{BE5295ED-3BAF-1140-8495-3D368771D6B1}" type="datetimeFigureOut">
               <a:rPr lang="en-US" smtClean="0"/>
-              <a:t>6/22/21</a:t>
+              <a:t>7/16/21</a:t>
             </a:fld>
             <a:endParaRPr lang="en-US"/>
           </a:p>
@@ -3205,7 +3205,7 @@
           <a:p>
             <a:fld id="{BE5295ED-3BAF-1140-8495-3D368771D6B1}" type="datetimeFigureOut">
               <a:rPr lang="en-US" smtClean="0"/>
-              <a:t>6/22/21</a:t>
+              <a:t>7/16/21</a:t>
             </a:fld>
             <a:endParaRPr lang="en-US"/>
           </a:p>
@@ -3446,7 +3446,7 @@
           <a:p>
             <a:fld id="{BE5295ED-3BAF-1140-8495-3D368771D6B1}" type="datetimeFigureOut">
               <a:rPr lang="en-US" smtClean="0"/>
-              <a:t>6/22/21</a:t>
+              <a:t>7/16/21</a:t>
             </a:fld>
             <a:endParaRPr lang="en-US"/>
           </a:p>
@@ -4944,8 +4944,8 @@
           </a:p>
         </p:txBody>
       </p:sp>
-      <mc:AlternateContent xmlns:mc="http://schemas.openxmlformats.org/markup-compatibility/2006" xmlns:a14="http://schemas.microsoft.com/office/drawing/2010/main">
-        <mc:Choice Requires="a14">
+      <mc:AlternateContent xmlns:mc="http://schemas.openxmlformats.org/markup-compatibility/2006">
+        <mc:Choice xmlns:a14="http://schemas.microsoft.com/office/drawing/2010/main" Requires="a14">
           <p:sp>
             <p:nvSpPr>
               <p:cNvPr id="3" name="Content Placeholder 2">
@@ -5055,13 +5055,13 @@
               <a:p>
                 <a:r>
                   <a:rPr lang="en-US" dirty="0"/>
-                  <a:t>Because we can never compare to real numbers for equality, we have to check for the difference being smaller than some precision like 0.00000001</a:t>
+                  <a:t>Because we can never compare two real numbers for equality, we must check for the difference being smaller than some small number like 0.00000001</a:t>
                 </a:r>
               </a:p>
             </p:txBody>
           </p:sp>
         </mc:Choice>
-        <mc:Fallback xmlns="">
+        <mc:Fallback>
           <p:sp>
             <p:nvSpPr>
               <p:cNvPr id="3" name="Content Placeholder 2">
@@ -5086,7 +5086,7 @@
               <a:blipFill>
                 <a:blip r:embed="rId2"/>
                 <a:stretch>
-                  <a:fillRect l="-1086" t="-2326"/>
+                  <a:fillRect l="-1086" t="-2326" r="-483"/>
                 </a:stretch>
               </a:blipFill>
             </p:spPr>
@@ -5596,8 +5596,8 @@
           </a:p>
         </p:txBody>
       </p:sp>
-      <mc:AlternateContent xmlns:mc="http://schemas.openxmlformats.org/markup-compatibility/2006" xmlns:a14="http://schemas.microsoft.com/office/drawing/2010/main">
-        <mc:Choice Requires="a14">
+      <mc:AlternateContent xmlns:mc="http://schemas.openxmlformats.org/markup-compatibility/2006">
+        <mc:Choice xmlns:a14="http://schemas.microsoft.com/office/drawing/2010/main" Requires="a14">
           <p:sp>
             <p:nvSpPr>
               <p:cNvPr id="7" name="Content Placeholder 6">
@@ -5626,7 +5626,7 @@
               <a:p>
                 <a:r>
                   <a:rPr lang="en-US" dirty="0"/>
-                  <a:t>The translation to Python is fairly straightforward but notice that we don't need to track all </a:t>
+                  <a:t>The translation to Python is straightforward but notice that we don't need to track all </a:t>
                 </a:r>
                 <a14:m>
                   <m:oMath xmlns:m="http://schemas.openxmlformats.org/officeDocument/2006/math">
@@ -5665,7 +5665,7 @@
             </p:txBody>
           </p:sp>
         </mc:Choice>
-        <mc:Fallback xmlns="">
+        <mc:Fallback>
           <p:sp>
             <p:nvSpPr>
               <p:cNvPr id="7" name="Content Placeholder 6">
@@ -5690,7 +5690,7 @@
               <a:blipFill>
                 <a:blip r:embed="rId2"/>
                 <a:stretch>
-                  <a:fillRect l="-1086" t="-2432" r="-724"/>
+                  <a:fillRect l="-1086" t="-2432"/>
                 </a:stretch>
               </a:blipFill>
             </p:spPr>
@@ -6037,8 +6037,8 @@
           </a:p>
         </p:txBody>
       </p:sp>
-      <mc:AlternateContent xmlns:mc="http://schemas.openxmlformats.org/markup-compatibility/2006" xmlns:a14="http://schemas.microsoft.com/office/drawing/2010/main">
-        <mc:Choice Requires="a14">
+      <mc:AlternateContent xmlns:mc="http://schemas.openxmlformats.org/markup-compatibility/2006">
+        <mc:Choice xmlns:a14="http://schemas.microsoft.com/office/drawing/2010/main" Requires="a14">
           <p:sp>
             <p:nvSpPr>
               <p:cNvPr id="3" name="Content Placeholder 2">
@@ -6089,7 +6089,15 @@
               <a:p>
                 <a:r>
                   <a:rPr lang="en-US" dirty="0"/>
-                  <a:t>Then, had a print statement so you can track how the </a:t>
+                  <a:t>Then</a:t>
+                </a:r>
+                <a:r>
+                  <a:rPr lang="en-US"/>
+                  <a:t>, add </a:t>
+                </a:r>
+                <a:r>
+                  <a:rPr lang="en-US" dirty="0"/>
+                  <a:t>a print statement so you can track how the </a:t>
                 </a:r>
                 <a14:m>
                   <m:oMath xmlns:m="http://schemas.openxmlformats.org/officeDocument/2006/math">
@@ -6128,7 +6136,7 @@
             </p:txBody>
           </p:sp>
         </mc:Choice>
-        <mc:Fallback xmlns="">
+        <mc:Fallback>
           <p:sp>
             <p:nvSpPr>
               <p:cNvPr id="3" name="Content Placeholder 2">

--- a/slides/sqrt.pptx
+++ b/slides/sqrt.pptx
@@ -214,7 +214,7 @@
           <a:p>
             <a:fld id="{8A1B613A-EFF1-404F-BEE8-EFAE84A4E5E2}" type="datetimeFigureOut">
               <a:rPr lang="en-US" smtClean="0"/>
-              <a:t>7/16/21</a:t>
+              <a:t>7/21/21</a:t>
             </a:fld>
             <a:endParaRPr lang="en-US"/>
           </a:p>
@@ -379,7 +379,7 @@
           <a:p>
             <a:fld id="{690847EA-AC25-3D4E-89E1-FD3F6A9702B6}" type="datetimeFigureOut">
               <a:rPr lang="en-US" smtClean="0"/>
-              <a:t>7/16/21</a:t>
+              <a:t>7/21/21</a:t>
             </a:fld>
             <a:endParaRPr lang="en-US"/>
           </a:p>
@@ -793,7 +793,7 @@
           <a:p>
             <a:fld id="{BE5295ED-3BAF-1140-8495-3D368771D6B1}" type="datetimeFigureOut">
               <a:rPr lang="en-US" smtClean="0"/>
-              <a:t>7/16/21</a:t>
+              <a:t>7/21/21</a:t>
             </a:fld>
             <a:endParaRPr lang="en-US"/>
           </a:p>
@@ -991,7 +991,7 @@
           <a:p>
             <a:fld id="{BE5295ED-3BAF-1140-8495-3D368771D6B1}" type="datetimeFigureOut">
               <a:rPr lang="en-US" smtClean="0"/>
-              <a:t>7/16/21</a:t>
+              <a:t>7/21/21</a:t>
             </a:fld>
             <a:endParaRPr lang="en-US"/>
           </a:p>
@@ -1199,7 +1199,7 @@
           <a:p>
             <a:fld id="{BE5295ED-3BAF-1140-8495-3D368771D6B1}" type="datetimeFigureOut">
               <a:rPr lang="en-US" smtClean="0"/>
-              <a:t>7/16/21</a:t>
+              <a:t>7/21/21</a:t>
             </a:fld>
             <a:endParaRPr lang="en-US"/>
           </a:p>
@@ -1397,7 +1397,7 @@
           <a:p>
             <a:fld id="{BE5295ED-3BAF-1140-8495-3D368771D6B1}" type="datetimeFigureOut">
               <a:rPr lang="en-US" smtClean="0"/>
-              <a:t>7/16/21</a:t>
+              <a:t>7/21/21</a:t>
             </a:fld>
             <a:endParaRPr lang="en-US"/>
           </a:p>
@@ -1672,7 +1672,7 @@
           <a:p>
             <a:fld id="{BE5295ED-3BAF-1140-8495-3D368771D6B1}" type="datetimeFigureOut">
               <a:rPr lang="en-US" smtClean="0"/>
-              <a:t>7/16/21</a:t>
+              <a:t>7/21/21</a:t>
             </a:fld>
             <a:endParaRPr lang="en-US"/>
           </a:p>
@@ -1937,7 +1937,7 @@
           <a:p>
             <a:fld id="{BE5295ED-3BAF-1140-8495-3D368771D6B1}" type="datetimeFigureOut">
               <a:rPr lang="en-US" smtClean="0"/>
-              <a:t>7/16/21</a:t>
+              <a:t>7/21/21</a:t>
             </a:fld>
             <a:endParaRPr lang="en-US"/>
           </a:p>
@@ -2349,7 +2349,7 @@
           <a:p>
             <a:fld id="{BE5295ED-3BAF-1140-8495-3D368771D6B1}" type="datetimeFigureOut">
               <a:rPr lang="en-US" smtClean="0"/>
-              <a:t>7/16/21</a:t>
+              <a:t>7/21/21</a:t>
             </a:fld>
             <a:endParaRPr lang="en-US"/>
           </a:p>
@@ -2490,7 +2490,7 @@
           <a:p>
             <a:fld id="{BE5295ED-3BAF-1140-8495-3D368771D6B1}" type="datetimeFigureOut">
               <a:rPr lang="en-US" smtClean="0"/>
-              <a:t>7/16/21</a:t>
+              <a:t>7/21/21</a:t>
             </a:fld>
             <a:endParaRPr lang="en-US"/>
           </a:p>
@@ -2603,7 +2603,7 @@
           <a:p>
             <a:fld id="{BE5295ED-3BAF-1140-8495-3D368771D6B1}" type="datetimeFigureOut">
               <a:rPr lang="en-US" smtClean="0"/>
-              <a:t>7/16/21</a:t>
+              <a:t>7/21/21</a:t>
             </a:fld>
             <a:endParaRPr lang="en-US"/>
           </a:p>
@@ -2914,7 +2914,7 @@
           <a:p>
             <a:fld id="{BE5295ED-3BAF-1140-8495-3D368771D6B1}" type="datetimeFigureOut">
               <a:rPr lang="en-US" smtClean="0"/>
-              <a:t>7/16/21</a:t>
+              <a:t>7/21/21</a:t>
             </a:fld>
             <a:endParaRPr lang="en-US"/>
           </a:p>
@@ -3205,7 +3205,7 @@
           <a:p>
             <a:fld id="{BE5295ED-3BAF-1140-8495-3D368771D6B1}" type="datetimeFigureOut">
               <a:rPr lang="en-US" smtClean="0"/>
-              <a:t>7/16/21</a:t>
+              <a:t>7/21/21</a:t>
             </a:fld>
             <a:endParaRPr lang="en-US"/>
           </a:p>
@@ -3446,7 +3446,7 @@
           <a:p>
             <a:fld id="{BE5295ED-3BAF-1140-8495-3D368771D6B1}" type="datetimeFigureOut">
               <a:rPr lang="en-US" smtClean="0"/>
-              <a:t>7/16/21</a:t>
+              <a:t>7/21/21</a:t>
             </a:fld>
             <a:endParaRPr lang="en-US"/>
           </a:p>
@@ -4944,8 +4944,8 @@
           </a:p>
         </p:txBody>
       </p:sp>
-      <mc:AlternateContent xmlns:mc="http://schemas.openxmlformats.org/markup-compatibility/2006">
-        <mc:Choice xmlns:a14="http://schemas.microsoft.com/office/drawing/2010/main" Requires="a14">
+      <mc:AlternateContent xmlns:mc="http://schemas.openxmlformats.org/markup-compatibility/2006" xmlns:a14="http://schemas.microsoft.com/office/drawing/2010/main">
+        <mc:Choice Requires="a14">
           <p:sp>
             <p:nvSpPr>
               <p:cNvPr id="3" name="Content Placeholder 2">
@@ -5061,7 +5061,7 @@
             </p:txBody>
           </p:sp>
         </mc:Choice>
-        <mc:Fallback>
+        <mc:Fallback xmlns="">
           <p:sp>
             <p:nvSpPr>
               <p:cNvPr id="3" name="Content Placeholder 2">
@@ -5596,8 +5596,8 @@
           </a:p>
         </p:txBody>
       </p:sp>
-      <mc:AlternateContent xmlns:mc="http://schemas.openxmlformats.org/markup-compatibility/2006">
-        <mc:Choice xmlns:a14="http://schemas.microsoft.com/office/drawing/2010/main" Requires="a14">
+      <mc:AlternateContent xmlns:mc="http://schemas.openxmlformats.org/markup-compatibility/2006" xmlns:a14="http://schemas.microsoft.com/office/drawing/2010/main">
+        <mc:Choice Requires="a14">
           <p:sp>
             <p:nvSpPr>
               <p:cNvPr id="7" name="Content Placeholder 6">
@@ -5665,7 +5665,7 @@
             </p:txBody>
           </p:sp>
         </mc:Choice>
-        <mc:Fallback>
+        <mc:Fallback xmlns="">
           <p:sp>
             <p:nvSpPr>
               <p:cNvPr id="7" name="Content Placeholder 6">
@@ -6037,8 +6037,8 @@
           </a:p>
         </p:txBody>
       </p:sp>
-      <mc:AlternateContent xmlns:mc="http://schemas.openxmlformats.org/markup-compatibility/2006">
-        <mc:Choice xmlns:a14="http://schemas.microsoft.com/office/drawing/2010/main" Requires="a14">
+      <mc:AlternateContent xmlns:mc="http://schemas.openxmlformats.org/markup-compatibility/2006" xmlns:a14="http://schemas.microsoft.com/office/drawing/2010/main">
+        <mc:Choice Requires="a14">
           <p:sp>
             <p:nvSpPr>
               <p:cNvPr id="3" name="Content Placeholder 2">
@@ -6136,7 +6136,7 @@
             </p:txBody>
           </p:sp>
         </mc:Choice>
-        <mc:Fallback>
+        <mc:Fallback xmlns="">
           <p:sp>
             <p:nvSpPr>
               <p:cNvPr id="3" name="Content Placeholder 2">

--- a/slides/sqrt.pptx
+++ b/slides/sqrt.pptx
@@ -214,7 +214,7 @@
           <a:p>
             <a:fld id="{8A1B613A-EFF1-404F-BEE8-EFAE84A4E5E2}" type="datetimeFigureOut">
               <a:rPr lang="en-US" smtClean="0"/>
-              <a:t>7/21/21</a:t>
+              <a:t>7/23/21</a:t>
             </a:fld>
             <a:endParaRPr lang="en-US"/>
           </a:p>
@@ -379,7 +379,7 @@
           <a:p>
             <a:fld id="{690847EA-AC25-3D4E-89E1-FD3F6A9702B6}" type="datetimeFigureOut">
               <a:rPr lang="en-US" smtClean="0"/>
-              <a:t>7/21/21</a:t>
+              <a:t>7/23/21</a:t>
             </a:fld>
             <a:endParaRPr lang="en-US"/>
           </a:p>
@@ -793,7 +793,7 @@
           <a:p>
             <a:fld id="{BE5295ED-3BAF-1140-8495-3D368771D6B1}" type="datetimeFigureOut">
               <a:rPr lang="en-US" smtClean="0"/>
-              <a:t>7/21/21</a:t>
+              <a:t>7/23/21</a:t>
             </a:fld>
             <a:endParaRPr lang="en-US"/>
           </a:p>
@@ -991,7 +991,7 @@
           <a:p>
             <a:fld id="{BE5295ED-3BAF-1140-8495-3D368771D6B1}" type="datetimeFigureOut">
               <a:rPr lang="en-US" smtClean="0"/>
-              <a:t>7/21/21</a:t>
+              <a:t>7/23/21</a:t>
             </a:fld>
             <a:endParaRPr lang="en-US"/>
           </a:p>
@@ -1199,7 +1199,7 @@
           <a:p>
             <a:fld id="{BE5295ED-3BAF-1140-8495-3D368771D6B1}" type="datetimeFigureOut">
               <a:rPr lang="en-US" smtClean="0"/>
-              <a:t>7/21/21</a:t>
+              <a:t>7/23/21</a:t>
             </a:fld>
             <a:endParaRPr lang="en-US"/>
           </a:p>
@@ -1397,7 +1397,7 @@
           <a:p>
             <a:fld id="{BE5295ED-3BAF-1140-8495-3D368771D6B1}" type="datetimeFigureOut">
               <a:rPr lang="en-US" smtClean="0"/>
-              <a:t>7/21/21</a:t>
+              <a:t>7/23/21</a:t>
             </a:fld>
             <a:endParaRPr lang="en-US"/>
           </a:p>
@@ -1672,7 +1672,7 @@
           <a:p>
             <a:fld id="{BE5295ED-3BAF-1140-8495-3D368771D6B1}" type="datetimeFigureOut">
               <a:rPr lang="en-US" smtClean="0"/>
-              <a:t>7/21/21</a:t>
+              <a:t>7/23/21</a:t>
             </a:fld>
             <a:endParaRPr lang="en-US"/>
           </a:p>
@@ -1937,7 +1937,7 @@
           <a:p>
             <a:fld id="{BE5295ED-3BAF-1140-8495-3D368771D6B1}" type="datetimeFigureOut">
               <a:rPr lang="en-US" smtClean="0"/>
-              <a:t>7/21/21</a:t>
+              <a:t>7/23/21</a:t>
             </a:fld>
             <a:endParaRPr lang="en-US"/>
           </a:p>
@@ -2349,7 +2349,7 @@
           <a:p>
             <a:fld id="{BE5295ED-3BAF-1140-8495-3D368771D6B1}" type="datetimeFigureOut">
               <a:rPr lang="en-US" smtClean="0"/>
-              <a:t>7/21/21</a:t>
+              <a:t>7/23/21</a:t>
             </a:fld>
             <a:endParaRPr lang="en-US"/>
           </a:p>
@@ -2490,7 +2490,7 @@
           <a:p>
             <a:fld id="{BE5295ED-3BAF-1140-8495-3D368771D6B1}" type="datetimeFigureOut">
               <a:rPr lang="en-US" smtClean="0"/>
-              <a:t>7/21/21</a:t>
+              <a:t>7/23/21</a:t>
             </a:fld>
             <a:endParaRPr lang="en-US"/>
           </a:p>
@@ -2603,7 +2603,7 @@
           <a:p>
             <a:fld id="{BE5295ED-3BAF-1140-8495-3D368771D6B1}" type="datetimeFigureOut">
               <a:rPr lang="en-US" smtClean="0"/>
-              <a:t>7/21/21</a:t>
+              <a:t>7/23/21</a:t>
             </a:fld>
             <a:endParaRPr lang="en-US"/>
           </a:p>
@@ -2914,7 +2914,7 @@
           <a:p>
             <a:fld id="{BE5295ED-3BAF-1140-8495-3D368771D6B1}" type="datetimeFigureOut">
               <a:rPr lang="en-US" smtClean="0"/>
-              <a:t>7/21/21</a:t>
+              <a:t>7/23/21</a:t>
             </a:fld>
             <a:endParaRPr lang="en-US"/>
           </a:p>
@@ -3205,7 +3205,7 @@
           <a:p>
             <a:fld id="{BE5295ED-3BAF-1140-8495-3D368771D6B1}" type="datetimeFigureOut">
               <a:rPr lang="en-US" smtClean="0"/>
-              <a:t>7/21/21</a:t>
+              <a:t>7/23/21</a:t>
             </a:fld>
             <a:endParaRPr lang="en-US"/>
           </a:p>
@@ -3446,7 +3446,7 @@
           <a:p>
             <a:fld id="{BE5295ED-3BAF-1140-8495-3D368771D6B1}" type="datetimeFigureOut">
               <a:rPr lang="en-US" smtClean="0"/>
-              <a:t>7/21/21</a:t>
+              <a:t>7/23/21</a:t>
             </a:fld>
             <a:endParaRPr lang="en-US"/>
           </a:p>
@@ -4670,8 +4670,8 @@
           </a:p>
         </p:txBody>
       </p:sp>
-      <mc:AlternateContent xmlns:mc="http://schemas.openxmlformats.org/markup-compatibility/2006" xmlns:a14="http://schemas.microsoft.com/office/drawing/2010/main">
-        <mc:Choice Requires="a14">
+      <mc:AlternateContent xmlns:mc="http://schemas.openxmlformats.org/markup-compatibility/2006">
+        <mc:Choice xmlns:a14="http://schemas.microsoft.com/office/drawing/2010/main" Requires="a14">
           <p:sp>
             <p:nvSpPr>
               <p:cNvPr id="3" name="Content Placeholder 2">
@@ -4700,7 +4700,7 @@
               <a:p>
                 <a:r>
                   <a:rPr lang="en-US" dirty="0"/>
-                  <a:t>Our goal is to write a function that takes a single number and returns it square root</a:t>
+                  <a:t>Our goal is to write a function that takes a single number and returns its square root</a:t>
                 </a:r>
               </a:p>
               <a:p>
@@ -4800,7 +4800,7 @@
             </p:txBody>
           </p:sp>
         </mc:Choice>
-        <mc:Fallback xmlns="">
+        <mc:Fallback>
           <p:sp>
             <p:nvSpPr>
               <p:cNvPr id="3" name="Content Placeholder 2">
